--- a/ppt/golang/interview_questions/6/constant.pptx
+++ b/ppt/golang/interview_questions/6/constant.pptx
@@ -15,8 +15,6 @@
     <p:sldId id="263" r:id="rId9"/>
     <p:sldId id="264" r:id="rId10"/>
     <p:sldId id="265" r:id="rId11"/>
-    <p:sldId id="266" r:id="rId12"/>
-    <p:sldId id="267" r:id="rId13"/>
   </p:sldIdLst>
   <p:sldSz cx="9144000" cy="5143500" type="screen16x9"/>
   <p:notesSz cx="6858000" cy="9144000"/>
@@ -6033,236 +6031,6 @@
             </a:pPr>
             <a:r>
               <a:t>- To avoid magic numbers in code</a:t>
-            </a:r>
-          </a:p>
-        </p:txBody>
-      </p:sp>
-    </p:spTree>
-  </p:cSld>
-  <p:clrMapOvr>
-    <a:masterClrMapping/>
-  </p:clrMapOvr>
-</p:sld>
-</file>
-
-<file path=ppt/slides/slide11.xml><?xml version="1.0" encoding="utf-8"?>
-<p:sld xmlns:a="http://schemas.openxmlformats.org/drawingml/2006/main" xmlns:r="http://schemas.openxmlformats.org/officeDocument/2006/relationships" xmlns:p="http://schemas.openxmlformats.org/presentationml/2006/main">
-  <p:cSld>
-    <p:spTree>
-      <p:nvGrpSpPr>
-        <p:cNvPr id="1" name=""/>
-        <p:cNvGrpSpPr/>
-        <p:nvPr/>
-      </p:nvGrpSpPr>
-      <p:grpSpPr>
-        <a:xfrm>
-          <a:off x="0" y="0"/>
-          <a:ext cx="0" cy="0"/>
-          <a:chOff x="0" y="0"/>
-          <a:chExt cx="0" cy="0"/>
-        </a:xfrm>
-      </p:grpSpPr>
-      <p:sp>
-        <p:nvSpPr>
-          <p:cNvPr id="2" name="Title 1"/>
-          <p:cNvSpPr>
-            <a:spLocks noGrp="1"/>
-          </p:cNvSpPr>
-          <p:nvPr>
-            <p:ph type="title"/>
-          </p:nvPr>
-        </p:nvSpPr>
-        <p:spPr/>
-        <p:txBody>
-          <a:bodyPr/>
-          <a:lstStyle/>
-          <a:p>
-            <a:r>
-              <a:t>Recap: Defining Constants in Go</a:t>
-            </a:r>
-          </a:p>
-        </p:txBody>
-      </p:sp>
-      <p:sp>
-        <p:nvSpPr>
-          <p:cNvPr id="3" name="Content Placeholder 2"/>
-          <p:cNvSpPr>
-            <a:spLocks noGrp="1"/>
-          </p:cNvSpPr>
-          <p:nvPr>
-            <p:ph idx="1"/>
-          </p:nvPr>
-        </p:nvSpPr>
-        <p:spPr/>
-        <p:txBody>
-          <a:bodyPr wrap="square"/>
-          <a:lstStyle/>
-          <a:p>
-            <a:endParaRPr/>
-          </a:p>
-          <a:p>
-            <a:pPr>
-              <a:defRPr sz="1800">
-                <a:solidFill>
-                  <a:srgbClr val="000000"/>
-                </a:solidFill>
-              </a:defRPr>
-            </a:pPr>
-            <a:r>
-              <a:t>- Use `const` keyword</a:t>
-            </a:r>
-          </a:p>
-          <a:p>
-            <a:pPr>
-              <a:defRPr sz="1800">
-                <a:solidFill>
-                  <a:srgbClr val="000000"/>
-                </a:solidFill>
-              </a:defRPr>
-            </a:pPr>
-            <a:r>
-              <a:t>- Constants are immutable and evaluated at compile-time</a:t>
-            </a:r>
-          </a:p>
-          <a:p>
-            <a:pPr>
-              <a:defRPr sz="1800">
-                <a:solidFill>
-                  <a:srgbClr val="000000"/>
-                </a:solidFill>
-              </a:defRPr>
-            </a:pPr>
-            <a:r>
-              <a:t>- Can be typed or untyped</a:t>
-            </a:r>
-          </a:p>
-          <a:p>
-            <a:pPr>
-              <a:defRPr sz="1800">
-                <a:solidFill>
-                  <a:srgbClr val="000000"/>
-                </a:solidFill>
-              </a:defRPr>
-            </a:pPr>
-            <a:r>
-              <a:t>- Grouping constants improves readability</a:t>
-            </a:r>
-          </a:p>
-        </p:txBody>
-      </p:sp>
-    </p:spTree>
-  </p:cSld>
-  <p:clrMapOvr>
-    <a:masterClrMapping/>
-  </p:clrMapOvr>
-</p:sld>
-</file>
-
-<file path=ppt/slides/slide12.xml><?xml version="1.0" encoding="utf-8"?>
-<p:sld xmlns:a="http://schemas.openxmlformats.org/drawingml/2006/main" xmlns:r="http://schemas.openxmlformats.org/officeDocument/2006/relationships" xmlns:p="http://schemas.openxmlformats.org/presentationml/2006/main">
-  <p:cSld>
-    <p:spTree>
-      <p:nvGrpSpPr>
-        <p:cNvPr id="1" name=""/>
-        <p:cNvGrpSpPr/>
-        <p:nvPr/>
-      </p:nvGrpSpPr>
-      <p:grpSpPr>
-        <a:xfrm>
-          <a:off x="0" y="0"/>
-          <a:ext cx="0" cy="0"/>
-          <a:chOff x="0" y="0"/>
-          <a:chExt cx="0" cy="0"/>
-        </a:xfrm>
-      </p:grpSpPr>
-      <p:sp>
-        <p:nvSpPr>
-          <p:cNvPr id="2" name="Title 1"/>
-          <p:cNvSpPr>
-            <a:spLocks noGrp="1"/>
-          </p:cNvSpPr>
-          <p:nvPr>
-            <p:ph type="title"/>
-          </p:nvPr>
-        </p:nvSpPr>
-        <p:spPr/>
-        <p:txBody>
-          <a:bodyPr/>
-          <a:lstStyle/>
-          <a:p>
-            <a:r>
-              <a:t>Summary</a:t>
-            </a:r>
-          </a:p>
-        </p:txBody>
-      </p:sp>
-      <p:sp>
-        <p:nvSpPr>
-          <p:cNvPr id="3" name="Content Placeholder 2"/>
-          <p:cNvSpPr>
-            <a:spLocks noGrp="1"/>
-          </p:cNvSpPr>
-          <p:nvPr>
-            <p:ph idx="1"/>
-          </p:nvPr>
-        </p:nvSpPr>
-        <p:spPr/>
-        <p:txBody>
-          <a:bodyPr>
-            <a:normAutofit fontScale="55000" lnSpcReduction="20000"/>
-          </a:bodyPr>
-          <a:lstStyle/>
-          <a:p>
-            <a:endParaRPr/>
-          </a:p>
-          <a:p>
-            <a:r>
-              <a:t>What is a Constant?</a:t>
-            </a:r>
-          </a:p>
-          <a:p>
-            <a:r>
-              <a:t>Syntax of Constant Declaration</a:t>
-            </a:r>
-          </a:p>
-          <a:p>
-            <a:r>
-              <a:t>Simple Constant Example</a:t>
-            </a:r>
-          </a:p>
-          <a:p>
-            <a:r>
-              <a:t>Implicit Typing with Constants</a:t>
-            </a:r>
-          </a:p>
-          <a:p>
-            <a:r>
-              <a:t>Multiple Constants Declaration</a:t>
-            </a:r>
-          </a:p>
-          <a:p>
-            <a:r>
-              <a:t>Untyped vs Typed Constants</a:t>
-            </a:r>
-          </a:p>
-          <a:p>
-            <a:r>
-              <a:t>Constant Declaration Table</a:t>
-            </a:r>
-          </a:p>
-          <a:p>
-            <a:r>
-              <a:t>Constants vs Variables</a:t>
-            </a:r>
-          </a:p>
-          <a:p>
-            <a:r>
-              <a:t>When to Use Constants</a:t>
-            </a:r>
-          </a:p>
-          <a:p>
-            <a:r>
-              <a:t>Recap: Defining Constants in Go</a:t>
             </a:r>
           </a:p>
         </p:txBody>

--- a/ppt/golang/interview_questions/6/constant.pptx
+++ b/ppt/golang/interview_questions/6/constant.pptx
@@ -463,7 +463,7 @@
           <a:p>
             <a:fld id="{5BCAD085-E8A6-8845-BD4E-CB4CCA059FC4}" type="datetimeFigureOut">
               <a:rPr lang="en-US" smtClean="0"/>
-              <a:t>6/24/2025</a:t>
+              <a:t>6/25/2025</a:t>
             </a:fld>
             <a:endParaRPr lang="en-US"/>
           </a:p>
@@ -787,7 +787,7 @@
           <a:p>
             <a:fld id="{5BCAD085-E8A6-8845-BD4E-CB4CCA059FC4}" type="datetimeFigureOut">
               <a:rPr lang="en-US" smtClean="0"/>
-              <a:t>6/24/2025</a:t>
+              <a:t>6/25/2025</a:t>
             </a:fld>
             <a:endParaRPr lang="en-US"/>
           </a:p>
@@ -1035,7 +1035,7 @@
           <a:p>
             <a:fld id="{5BCAD085-E8A6-8845-BD4E-CB4CCA059FC4}" type="datetimeFigureOut">
               <a:rPr lang="en-US" smtClean="0"/>
-              <a:t>6/24/2025</a:t>
+              <a:t>6/25/2025</a:t>
             </a:fld>
             <a:endParaRPr lang="en-US"/>
           </a:p>
@@ -1374,7 +1374,7 @@
           <a:p>
             <a:fld id="{5BCAD085-E8A6-8845-BD4E-CB4CCA059FC4}" type="datetimeFigureOut">
               <a:rPr lang="en-US" smtClean="0"/>
-              <a:t>6/24/2025</a:t>
+              <a:t>6/25/2025</a:t>
             </a:fld>
             <a:endParaRPr lang="en-US"/>
           </a:p>
@@ -1721,7 +1721,7 @@
           <a:p>
             <a:fld id="{5BCAD085-E8A6-8845-BD4E-CB4CCA059FC4}" type="datetimeFigureOut">
               <a:rPr lang="en-US" smtClean="0"/>
-              <a:t>6/24/2025</a:t>
+              <a:t>6/25/2025</a:t>
             </a:fld>
             <a:endParaRPr lang="en-US"/>
           </a:p>
@@ -2095,7 +2095,7 @@
           <a:p>
             <a:fld id="{5BCAD085-E8A6-8845-BD4E-CB4CCA059FC4}" type="datetimeFigureOut">
               <a:rPr lang="en-US" smtClean="0"/>
-              <a:t>6/24/2025</a:t>
+              <a:t>6/25/2025</a:t>
             </a:fld>
             <a:endParaRPr lang="en-US"/>
           </a:p>
@@ -2565,7 +2565,7 @@
           <a:p>
             <a:fld id="{5BCAD085-E8A6-8845-BD4E-CB4CCA059FC4}" type="datetimeFigureOut">
               <a:rPr lang="en-US" smtClean="0"/>
-              <a:t>6/24/2025</a:t>
+              <a:t>6/25/2025</a:t>
             </a:fld>
             <a:endParaRPr lang="en-US"/>
           </a:p>
@@ -2770,7 +2770,7 @@
           <a:p>
             <a:fld id="{5BCAD085-E8A6-8845-BD4E-CB4CCA059FC4}" type="datetimeFigureOut">
               <a:rPr lang="en-US" smtClean="0"/>
-              <a:t>6/24/2025</a:t>
+              <a:t>6/25/2025</a:t>
             </a:fld>
             <a:endParaRPr lang="en-US"/>
           </a:p>
@@ -2981,7 +2981,7 @@
           <a:p>
             <a:fld id="{5BCAD085-E8A6-8845-BD4E-CB4CCA059FC4}" type="datetimeFigureOut">
               <a:rPr lang="en-US" smtClean="0"/>
-              <a:t>6/24/2025</a:t>
+              <a:t>6/25/2025</a:t>
             </a:fld>
             <a:endParaRPr lang="en-US"/>
           </a:p>
@@ -3213,7 +3213,7 @@
           <a:p>
             <a:fld id="{5BCAD085-E8A6-8845-BD4E-CB4CCA059FC4}" type="datetimeFigureOut">
               <a:rPr lang="en-US" smtClean="0"/>
-              <a:t>6/24/2025</a:t>
+              <a:t>6/25/2025</a:t>
             </a:fld>
             <a:endParaRPr lang="en-US"/>
           </a:p>
@@ -3461,7 +3461,7 @@
           <a:p>
             <a:fld id="{5BCAD085-E8A6-8845-BD4E-CB4CCA059FC4}" type="datetimeFigureOut">
               <a:rPr lang="en-US" smtClean="0"/>
-              <a:t>6/24/2025</a:t>
+              <a:t>6/25/2025</a:t>
             </a:fld>
             <a:endParaRPr lang="en-US"/>
           </a:p>
@@ -3759,7 +3759,7 @@
           <a:p>
             <a:fld id="{5BCAD085-E8A6-8845-BD4E-CB4CCA059FC4}" type="datetimeFigureOut">
               <a:rPr lang="en-US" smtClean="0"/>
-              <a:t>6/24/2025</a:t>
+              <a:t>6/25/2025</a:t>
             </a:fld>
             <a:endParaRPr lang="en-US"/>
           </a:p>
@@ -4153,7 +4153,7 @@
           <a:p>
             <a:fld id="{5BCAD085-E8A6-8845-BD4E-CB4CCA059FC4}" type="datetimeFigureOut">
               <a:rPr lang="en-US" smtClean="0"/>
-              <a:t>6/24/2025</a:t>
+              <a:t>6/25/2025</a:t>
             </a:fld>
             <a:endParaRPr lang="en-US"/>
           </a:p>
@@ -4302,7 +4302,7 @@
           <a:p>
             <a:fld id="{5BCAD085-E8A6-8845-BD4E-CB4CCA059FC4}" type="datetimeFigureOut">
               <a:rPr lang="en-US" smtClean="0"/>
-              <a:t>6/24/2025</a:t>
+              <a:t>6/25/2025</a:t>
             </a:fld>
             <a:endParaRPr lang="en-US"/>
           </a:p>
@@ -4428,7 +4428,7 @@
           <a:p>
             <a:fld id="{5BCAD085-E8A6-8845-BD4E-CB4CCA059FC4}" type="datetimeFigureOut">
               <a:rPr lang="en-US" smtClean="0"/>
-              <a:t>6/24/2025</a:t>
+              <a:t>6/25/2025</a:t>
             </a:fld>
             <a:endParaRPr lang="en-US"/>
           </a:p>
@@ -4683,7 +4683,7 @@
           <a:p>
             <a:fld id="{5BCAD085-E8A6-8845-BD4E-CB4CCA059FC4}" type="datetimeFigureOut">
               <a:rPr lang="en-US" smtClean="0"/>
-              <a:t>6/24/2025</a:t>
+              <a:t>6/25/2025</a:t>
             </a:fld>
             <a:endParaRPr lang="en-US"/>
           </a:p>
@@ -4998,7 +4998,7 @@
           <a:p>
             <a:fld id="{5BCAD085-E8A6-8845-BD4E-CB4CCA059FC4}" type="datetimeFigureOut">
               <a:rPr lang="en-US" smtClean="0"/>
-              <a:t>6/24/2025</a:t>
+              <a:t>6/25/2025</a:t>
             </a:fld>
             <a:endParaRPr lang="en-US"/>
           </a:p>
@@ -5349,7 +5349,7 @@
           <a:p>
             <a:fld id="{5BCAD085-E8A6-8845-BD4E-CB4CCA059FC4}" type="datetimeFigureOut">
               <a:rPr lang="en-US" smtClean="0"/>
-              <a:t>6/24/2025</a:t>
+              <a:t>6/25/2025</a:t>
             </a:fld>
             <a:endParaRPr lang="en-US"/>
           </a:p>
@@ -5908,6 +5908,7 @@
           <a:lstStyle/>
           <a:p>
             <a:r>
+              <a:rPr dirty="0"/>
               <a:t>What is a Constant?</a:t>
             </a:r>
           </a:p>
@@ -5929,8 +5930,10 @@
           <a:lstStyle/>
           <a:p>
             <a:r>
-              <a:t>Auto-generated Presentation</a:t>
-            </a:r>
+              <a:rPr lang="en-US" dirty="0"/>
+              <a:t>Golang Interview Questions</a:t>
+            </a:r>
+            <a:endParaRPr dirty="0"/>
           </a:p>
         </p:txBody>
       </p:sp>
@@ -6547,7 +6550,7 @@
         </p:nvSpPr>
         <p:spPr>
           <a:xfrm>
-            <a:off x="971552" y="545330"/>
+            <a:off x="971552" y="266724"/>
             <a:ext cx="7200897" cy="977900"/>
           </a:xfrm>
         </p:spPr>
@@ -6570,8 +6573,8 @@
         </p:nvSpPr>
         <p:spPr>
           <a:xfrm>
-            <a:off x="971551" y="1523230"/>
-            <a:ext cx="7650955" cy="2554545"/>
+            <a:off x="864394" y="1087461"/>
+            <a:ext cx="7650955" cy="3539430"/>
           </a:xfrm>
           <a:prstGeom prst="rect">
             <a:avLst/>
@@ -6589,7 +6592,7 @@
             <a:endParaRPr sz="1600" dirty="0"/>
           </a:p>
           <a:p>
-            <a:pPr algn="l">
+            <a:pPr>
               <a:defRPr sz="2400">
                 <a:solidFill>
                   <a:srgbClr val="FFFFFF"/>
@@ -6611,6 +6614,59 @@
               <a:rPr sz="1600" dirty="0"/>
               <a:t>```go</a:t>
             </a:r>
+            <a:endParaRPr lang="en-US" sz="1600" dirty="0"/>
+          </a:p>
+          <a:p>
+            <a:pPr>
+              <a:defRPr sz="2400">
+                <a:solidFill>
+                  <a:srgbClr val="FFFFFF"/>
+                </a:solidFill>
+                <a:latin typeface="Courier New"/>
+              </a:defRPr>
+            </a:pPr>
+            <a:r>
+              <a:rPr lang="en-US" sz="1600" dirty="0"/>
+              <a:t>const A = 1  </a:t>
+            </a:r>
+          </a:p>
+          <a:p>
+            <a:pPr>
+              <a:defRPr sz="2400">
+                <a:solidFill>
+                  <a:srgbClr val="FFFFFF"/>
+                </a:solidFill>
+                <a:latin typeface="Courier New"/>
+              </a:defRPr>
+            </a:pPr>
+            <a:r>
+              <a:rPr lang="en-US" sz="1600" dirty="0"/>
+              <a:t>const B = 2  </a:t>
+            </a:r>
+          </a:p>
+          <a:p>
+            <a:pPr>
+              <a:defRPr sz="2400">
+                <a:solidFill>
+                  <a:srgbClr val="FFFFFF"/>
+                </a:solidFill>
+                <a:latin typeface="Courier New"/>
+              </a:defRPr>
+            </a:pPr>
+            <a:r>
+              <a:rPr lang="en-US" sz="1600" dirty="0"/>
+              <a:t>const C = 3</a:t>
+            </a:r>
+          </a:p>
+          <a:p>
+            <a:pPr>
+              <a:defRPr sz="2400">
+                <a:solidFill>
+                  <a:srgbClr val="FFFFFF"/>
+                </a:solidFill>
+                <a:latin typeface="Courier New"/>
+              </a:defRPr>
+            </a:pPr>
             <a:br>
               <a:rPr sz="1600" dirty="0"/>
             </a:br>
@@ -6736,12 +6792,19 @@
             <p:ph idx="1"/>
           </p:nvPr>
         </p:nvSpPr>
-        <p:spPr/>
-        <p:txBody>
-          <a:bodyPr wrap="square"/>
-          <a:lstStyle/>
-          <a:p>
-            <a:endParaRPr dirty="0"/>
+        <p:spPr>
+          <a:xfrm>
+            <a:off x="1042990" y="1511300"/>
+            <a:ext cx="7200897" cy="2489202"/>
+          </a:xfrm>
+        </p:spPr>
+        <p:txBody>
+          <a:bodyPr wrap="square">
+            <a:noAutofit/>
+          </a:bodyPr>
+          <a:lstStyle/>
+          <a:p>
+            <a:endParaRPr sz="2800" dirty="0"/>
           </a:p>
           <a:p>
             <a:pPr>
@@ -6752,7 +6815,7 @@
               </a:defRPr>
             </a:pPr>
             <a:r>
-              <a:rPr dirty="0"/>
+              <a:rPr sz="2800" dirty="0"/>
               <a:t>Untyped constants are more flexible because their type is inferred based on usage.</a:t>
             </a:r>
           </a:p>
@@ -6764,18 +6827,8 @@
                 </a:solidFill>
               </a:defRPr>
             </a:pPr>
-            <a:endParaRPr dirty="0"/>
-          </a:p>
-          <a:p>
-            <a:pPr>
-              <a:defRPr sz="1800">
-                <a:solidFill>
-                  <a:srgbClr val="000000"/>
-                </a:solidFill>
-              </a:defRPr>
-            </a:pPr>
-            <a:r>
-              <a:rPr dirty="0"/>
+            <a:r>
+              <a:rPr sz="2800" dirty="0"/>
               <a:t>Typed constants have a fixed type and cannot be assigned to variables of a different type without conversion.</a:t>
             </a:r>
           </a:p>
